--- a/Translated/章节3.pptx
+++ b/Translated/章节3.pptx
@@ -22979,16 +22979,36 @@
               </a:lnSpc>
             </a:pPr>
             <a:r>
-              <a:rPr lang="en-US" sz="1600" spc="-1">
+              <a:rPr lang="zh-CN" altLang="en-US" sz="1600" spc="-1" dirty="0">
                 <a:solidFill>
                   <a:srgbClr val="4F81BD"/>
                 </a:solidFill>
                 <a:latin typeface="Trebuchet MS"/>
                 <a:ea typeface="DejaVu Sans"/>
               </a:rPr>
-              <a:t>Used when interfacing with a graphics API such as OpenGL.  We won’t use image objects in this tutorial.</a:t>
-            </a:r>
-            <a:endParaRPr lang="en-US" sz="1600" spc="-1">
+              <a:t>与图形接口（比如</a:t>
+            </a:r>
+            <a:r>
+              <a:rPr lang="en-US" altLang="zh-CN" sz="1600" spc="-1" dirty="0">
+                <a:solidFill>
+                  <a:srgbClr val="4F81BD"/>
+                </a:solidFill>
+                <a:latin typeface="Trebuchet MS"/>
+                <a:ea typeface="DejaVu Sans"/>
+              </a:rPr>
+              <a:t>OpenGL</a:t>
+            </a:r>
+            <a:r>
+              <a:rPr lang="zh-CN" altLang="en-US" sz="1600" spc="-1" dirty="0">
+                <a:solidFill>
+                  <a:srgbClr val="4F81BD"/>
+                </a:solidFill>
+                <a:latin typeface="Trebuchet MS"/>
+                <a:ea typeface="DejaVu Sans"/>
+              </a:rPr>
+              <a:t>）交互的时候才需要这样，咱们的讲义中不涉及图形对象。</a:t>
+            </a:r>
+            <a:endParaRPr lang="en-US" altLang="zh-CN" sz="1600" spc="-1" dirty="0">
               <a:latin typeface="Arial"/>
             </a:endParaRPr>
           </a:p>
